--- a/Day 1/Slides/8. Understanding the Core Services of AWS/understanding-core-services-aws-slides .pptx
+++ b/Day 1/Slides/8. Understanding the Core Services of AWS/understanding-core-services-aws-slides .pptx
@@ -23826,7 +23826,7 @@
         </p:blipFill>
         <p:spPr>
           <a:xfrm>
-            <a:off x="889000" y="990600"/>
+            <a:off x="889000" y="914400"/>
             <a:ext cx="14761845" cy="6734175"/>
           </a:xfrm>
           <a:prstGeom prst="rect">
